--- a/Phase 1 project presentation.pptx
+++ b/Phase 1 project presentation.pptx
@@ -143,6 +143,11 @@
       </a:defRPr>
     </a:lvl9pPr>
   </p:defaultTextStyle>
+  <p:extLst>
+    <p:ext uri="{EFAFB233-063F-42B5-8137-9DF3F51BA10A}">
+      <p15:sldGuideLst xmlns:p15="http://schemas.microsoft.com/office/powerpoint/2012/main"/>
+    </p:ext>
+  </p:extLst>
 </p:presentation>
 </file>
 
@@ -892,7 +897,7 @@
             <a:fld id="{B61BEF0D-F0BB-DE4B-95CE-6DB70DBA9567}" type="datetimeFigureOut">
               <a:rPr lang="en-US" dirty="0"/>
               <a:pPr/>
-              <a:t>13-Sep-23</a:t>
+              <a:t>15-Sep-23</a:t>
             </a:fld>
             <a:endParaRPr lang="en-US" dirty="0"/>
           </a:p>
@@ -1140,7 +1145,7 @@
             <a:fld id="{B61BEF0D-F0BB-DE4B-95CE-6DB70DBA9567}" type="datetimeFigureOut">
               <a:rPr lang="en-US" dirty="0"/>
               <a:pPr/>
-              <a:t>13-Sep-23</a:t>
+              <a:t>15-Sep-23</a:t>
             </a:fld>
             <a:endParaRPr lang="en-US" dirty="0"/>
           </a:p>
@@ -1451,7 +1456,7 @@
             <a:fld id="{B61BEF0D-F0BB-DE4B-95CE-6DB70DBA9567}" type="datetimeFigureOut">
               <a:rPr lang="en-US" dirty="0"/>
               <a:pPr/>
-              <a:t>13-Sep-23</a:t>
+              <a:t>15-Sep-23</a:t>
             </a:fld>
             <a:endParaRPr lang="en-US" dirty="0"/>
           </a:p>
@@ -1781,7 +1786,7 @@
             <a:fld id="{B61BEF0D-F0BB-DE4B-95CE-6DB70DBA9567}" type="datetimeFigureOut">
               <a:rPr lang="en-US" dirty="0"/>
               <a:pPr/>
-              <a:t>13-Sep-23</a:t>
+              <a:t>15-Sep-23</a:t>
             </a:fld>
             <a:endParaRPr lang="en-US" dirty="0"/>
           </a:p>
@@ -2092,7 +2097,7 @@
             <a:fld id="{B61BEF0D-F0BB-DE4B-95CE-6DB70DBA9567}" type="datetimeFigureOut">
               <a:rPr lang="en-US" dirty="0"/>
               <a:pPr/>
-              <a:t>13-Sep-23</a:t>
+              <a:t>15-Sep-23</a:t>
             </a:fld>
             <a:endParaRPr lang="en-US" dirty="0"/>
           </a:p>
@@ -2482,7 +2487,7 @@
             <a:fld id="{B61BEF0D-F0BB-DE4B-95CE-6DB70DBA9567}" type="datetimeFigureOut">
               <a:rPr lang="en-US" dirty="0"/>
               <a:pPr/>
-              <a:t>13-Sep-23</a:t>
+              <a:t>15-Sep-23</a:t>
             </a:fld>
             <a:endParaRPr lang="en-US" dirty="0"/>
           </a:p>
@@ -2648,7 +2653,7 @@
           <a:p>
             <a:fld id="{55C6B4A9-1611-4792-9094-5F34BCA07E0B}" type="datetimeFigureOut">
               <a:rPr lang="en-US" dirty="0"/>
-              <a:t>13-Sep-23</a:t>
+              <a:t>15-Sep-23</a:t>
             </a:fld>
             <a:endParaRPr lang="en-US" dirty="0"/>
           </a:p>
@@ -2824,7 +2829,7 @@
             <a:fld id="{B61BEF0D-F0BB-DE4B-95CE-6DB70DBA9567}" type="datetimeFigureOut">
               <a:rPr lang="en-US" dirty="0"/>
               <a:pPr/>
-              <a:t>13-Sep-23</a:t>
+              <a:t>15-Sep-23</a:t>
             </a:fld>
             <a:endParaRPr lang="en-US" dirty="0"/>
           </a:p>
@@ -2990,7 +2995,7 @@
           <a:p>
             <a:fld id="{42A54C80-263E-416B-A8E0-580EDEADCBDC}" type="datetimeFigureOut">
               <a:rPr lang="en-US" dirty="0"/>
-              <a:t>13-Sep-23</a:t>
+              <a:t>15-Sep-23</a:t>
             </a:fld>
             <a:endParaRPr lang="en-US" dirty="0"/>
           </a:p>
@@ -3233,7 +3238,7 @@
             <a:fld id="{B61BEF0D-F0BB-DE4B-95CE-6DB70DBA9567}" type="datetimeFigureOut">
               <a:rPr lang="en-US" dirty="0"/>
               <a:pPr/>
-              <a:t>13-Sep-23</a:t>
+              <a:t>15-Sep-23</a:t>
             </a:fld>
             <a:endParaRPr lang="en-US" dirty="0"/>
           </a:p>
@@ -3461,7 +3466,7 @@
           <a:p>
             <a:fld id="{42A54C80-263E-416B-A8E0-580EDEADCBDC}" type="datetimeFigureOut">
               <a:rPr lang="en-US" dirty="0"/>
-              <a:t>13-Sep-23</a:t>
+              <a:t>15-Sep-23</a:t>
             </a:fld>
             <a:endParaRPr lang="en-US" dirty="0"/>
           </a:p>
@@ -3831,7 +3836,7 @@
             <a:fld id="{B61BEF0D-F0BB-DE4B-95CE-6DB70DBA9567}" type="datetimeFigureOut">
               <a:rPr lang="en-US" dirty="0"/>
               <a:pPr/>
-              <a:t>13-Sep-23</a:t>
+              <a:t>15-Sep-23</a:t>
             </a:fld>
             <a:endParaRPr lang="en-US" dirty="0"/>
           </a:p>
@@ -3951,7 +3956,7 @@
             <a:fld id="{B61BEF0D-F0BB-DE4B-95CE-6DB70DBA9567}" type="datetimeFigureOut">
               <a:rPr lang="en-US" dirty="0"/>
               <a:pPr/>
-              <a:t>13-Sep-23</a:t>
+              <a:t>15-Sep-23</a:t>
             </a:fld>
             <a:endParaRPr lang="en-US" dirty="0"/>
           </a:p>
@@ -4043,7 +4048,7 @@
             <a:fld id="{B61BEF0D-F0BB-DE4B-95CE-6DB70DBA9567}" type="datetimeFigureOut">
               <a:rPr lang="en-US" dirty="0"/>
               <a:pPr/>
-              <a:t>13-Sep-23</a:t>
+              <a:t>15-Sep-23</a:t>
             </a:fld>
             <a:endParaRPr lang="en-US" dirty="0"/>
           </a:p>
@@ -4294,7 +4299,7 @@
           <a:p>
             <a:fld id="{42A54C80-263E-416B-A8E0-580EDEADCBDC}" type="datetimeFigureOut">
               <a:rPr lang="en-US" dirty="0"/>
-              <a:t>13-Sep-23</a:t>
+              <a:t>15-Sep-23</a:t>
             </a:fld>
             <a:endParaRPr lang="en-US" dirty="0"/>
           </a:p>
@@ -4596,7 +4601,7 @@
             <a:fld id="{B61BEF0D-F0BB-DE4B-95CE-6DB70DBA9567}" type="datetimeFigureOut">
               <a:rPr lang="en-US" dirty="0"/>
               <a:pPr/>
-              <a:t>13-Sep-23</a:t>
+              <a:t>15-Sep-23</a:t>
             </a:fld>
             <a:endParaRPr lang="en-US" dirty="0"/>
           </a:p>
@@ -5294,7 +5299,7 @@
             <a:fld id="{B61BEF0D-F0BB-DE4B-95CE-6DB70DBA9567}" type="datetimeFigureOut">
               <a:rPr lang="en-US" dirty="0"/>
               <a:pPr/>
-              <a:t>13-Sep-23</a:t>
+              <a:t>15-Sep-23</a:t>
             </a:fld>
             <a:endParaRPr lang="en-US" dirty="0"/>
           </a:p>
@@ -7209,7 +7214,6 @@
               <a:rPr lang="en-US" dirty="0"/>
               <a:t>` column. We then analyzed the data in the same way we did before. We also plotted graphs for representation</a:t>
             </a:r>
-            <a:endParaRPr lang="en-US" dirty="0"/>
           </a:p>
         </p:txBody>
       </p:sp>
@@ -7549,7 +7553,6 @@
               <a:rPr lang="en-US" dirty="0"/>
               <a:t>we were comparing a categorical column with a numeric column, we used bar graphs for representation. </a:t>
             </a:r>
-            <a:endParaRPr lang="en-US" dirty="0"/>
           </a:p>
           <a:p>
             <a:endParaRPr lang="en-US" dirty="0" smtClean="0"/>
@@ -7875,12 +7878,33 @@
             </a:r>
             <a:r>
               <a:rPr lang="en-US" dirty="0"/>
-              <a:t>means that most people were impressed by the movies they watched. Microsoft should take a keen interests of the movie ratings if they want their movie business to appeal their market</a:t>
+              <a:t>means that most people were impressed by the movies they watched. </a:t>
+            </a:r>
+            <a:endParaRPr lang="en-US" dirty="0" smtClean="0"/>
+          </a:p>
+          <a:p>
+            <a:endParaRPr lang="en-US" dirty="0"/>
+          </a:p>
+          <a:p>
+            <a:r>
+              <a:rPr lang="en-US" dirty="0"/>
+              <a:t> With this we see that there is a relationship between movie review and the number of people who voted in these reviews. However, </a:t>
+            </a:r>
+            <a:r>
+              <a:rPr lang="en-US" dirty="0" smtClean="0"/>
+              <a:t>we opted to study </a:t>
+            </a:r>
+            <a:r>
+              <a:rPr lang="en-US" dirty="0"/>
+              <a:t>more of this relationship in the next segment</a:t>
             </a:r>
             <a:r>
               <a:rPr lang="en-US" dirty="0" smtClean="0"/>
               <a:t>.</a:t>
             </a:r>
+            <a:endParaRPr lang="en-US" dirty="0"/>
+          </a:p>
+          <a:p>
             <a:endParaRPr lang="en-US" dirty="0"/>
           </a:p>
           <a:p>
@@ -8361,6 +8385,9 @@
             <a:endParaRPr lang="en-US" dirty="0" smtClean="0"/>
           </a:p>
           <a:p>
+            <a:endParaRPr lang="en-US" dirty="0" smtClean="0"/>
+          </a:p>
+          <a:p>
             <a:r>
               <a:rPr lang="en-US" dirty="0" smtClean="0"/>
               <a:t>This </a:t>
@@ -8369,6 +8396,29 @@
               <a:rPr lang="en-US" dirty="0"/>
               <a:t>means that most people were impressed by the movies they watched.</a:t>
             </a:r>
+          </a:p>
+          <a:p>
+            <a:endParaRPr lang="en-US" dirty="0" smtClean="0"/>
+          </a:p>
+          <a:p>
+            <a:r>
+              <a:rPr lang="en-US" dirty="0" smtClean="0"/>
+              <a:t>With </a:t>
+            </a:r>
+            <a:r>
+              <a:rPr lang="en-US" dirty="0"/>
+              <a:t>this we see that there is a relationship between movie review and the number of people who voted in these reviews. However, we opted to study more of this relationship in the next </a:t>
+            </a:r>
+            <a:r>
+              <a:rPr lang="en-US" dirty="0" smtClean="0"/>
+              <a:t>segment.</a:t>
+            </a:r>
+          </a:p>
+          <a:p>
+            <a:endParaRPr lang="en-US" dirty="0"/>
+          </a:p>
+          <a:p>
+            <a:endParaRPr lang="en-US" dirty="0" smtClean="0"/>
           </a:p>
           <a:p>
             <a:r>
@@ -9039,19 +9089,22 @@
           <a:p>
             <a:r>
               <a:rPr lang="en-US" dirty="0"/>
-              <a:t>The multivariate analysis has shown which factors correlate well with each other and if improved will lead to profitability hence </a:t>
-            </a:r>
-            <a:r>
-              <a:rPr lang="en-US" dirty="0" err="1"/>
-              <a:t>fullfilling</a:t>
-            </a:r>
-            <a:r>
-              <a:rPr lang="en-US" dirty="0"/>
-              <a:t> our third objective</a:t>
-            </a:r>
-            <a:r>
-              <a:rPr lang="en-US" dirty="0" smtClean="0"/>
-              <a:t>.</a:t>
+              <a:t>The multivariate analysis has proven that there is a strong relationship between domestic gross and foreign gross. </a:t>
+            </a:r>
+            <a:endParaRPr lang="en-US" dirty="0" smtClean="0"/>
+          </a:p>
+          <a:p>
+            <a:r>
+              <a:rPr lang="en-US" dirty="0" smtClean="0"/>
+              <a:t>There </a:t>
+            </a:r>
+            <a:r>
+              <a:rPr lang="en-US" dirty="0"/>
+              <a:t>is also a strong relationship between review ratings and the number of people who voted in these </a:t>
+            </a:r>
+            <a:r>
+              <a:rPr lang="en-US" dirty="0" smtClean="0"/>
+              <a:t>reviews. </a:t>
             </a:r>
             <a:endParaRPr lang="en-US" dirty="0"/>
           </a:p>
@@ -9169,7 +9222,6 @@
               <a:rPr lang="en-US" dirty="0"/>
               <a:t>must then translate those findings into actionable insights that the head of Microsoft's new movie studio can use to help decide what type of films to create.</a:t>
             </a:r>
-            <a:endParaRPr lang="en-US" dirty="0"/>
           </a:p>
         </p:txBody>
       </p:sp>
@@ -9275,8 +9327,29 @@
             </a:pPr>
             <a:r>
               <a:rPr lang="en-US" dirty="0"/>
-              <a:t>Some of the factors that may bring success in the movie industry are the studios that made these movies and the movie ratings of these movies. </a:t>
-            </a:r>
+              <a:t>Some of the factors that may bring success in the movie industry </a:t>
+            </a:r>
+            <a:r>
+              <a:rPr lang="en-US"/>
+              <a:t>are </a:t>
+            </a:r>
+            <a:r>
+              <a:rPr lang="en-US" smtClean="0"/>
+              <a:t>movie </a:t>
+            </a:r>
+            <a:r>
+              <a:rPr lang="en-US" smtClean="0"/>
+              <a:t>studios</a:t>
+            </a:r>
+            <a:r>
+              <a:rPr lang="en-US" dirty="0"/>
+              <a:t>, movie ratings, number of reviewers and review ratings are essential for movie success </a:t>
+            </a:r>
+            <a:r>
+              <a:rPr lang="en-US"/>
+              <a:t>. </a:t>
+            </a:r>
+            <a:endParaRPr lang="en-US" dirty="0"/>
           </a:p>
           <a:p>
             <a:pPr lvl="0">
@@ -9284,15 +9357,21 @@
               <a:buAutoNum type="arabicPeriod"/>
             </a:pPr>
             <a:r>
-              <a:rPr lang="en-US" dirty="0"/>
-              <a:t>There is a very strong linear relationship between viewer ratings and number of viewer votes.</a:t>
-            </a:r>
-          </a:p>
-          <a:p>
-            <a:pPr>
-              <a:buFont typeface="+mj-lt"/>
-              <a:buAutoNum type="arabicPeriod"/>
-            </a:pPr>
+              <a:rPr lang="en-US" smtClean="0"/>
+              <a:t>There </a:t>
+            </a:r>
+            <a:r>
+              <a:rPr lang="en-US" dirty="0"/>
+              <a:t>is a strong relationship between domestic gross and foreign gross. </a:t>
+            </a:r>
+            <a:r>
+              <a:rPr lang="en-US" dirty="0" smtClean="0"/>
+              <a:t>There </a:t>
+            </a:r>
+            <a:r>
+              <a:rPr lang="en-US" dirty="0"/>
+              <a:t>is also a strong relationship between review ratings and the number of people who voted in these reviews. </a:t>
+            </a:r>
             <a:endParaRPr lang="en-US" dirty="0"/>
           </a:p>
         </p:txBody>
@@ -9369,54 +9448,68 @@
         </p:nvSpPr>
         <p:spPr/>
         <p:txBody>
-          <a:bodyPr/>
+          <a:bodyPr>
+            <a:normAutofit lnSpcReduction="10000"/>
+          </a:bodyPr>
           <a:lstStyle/>
           <a:p>
-            <a:pPr lvl="0"/>
             <a:r>
               <a:rPr lang="en-US" dirty="0"/>
               <a:t>To show how profitable the movie industry is based on the data.</a:t>
             </a:r>
           </a:p>
           <a:p>
-            <a:pPr lvl="0"/>
+            <a:endParaRPr lang="en-US" dirty="0"/>
+          </a:p>
+          <a:p>
+            <a:endParaRPr lang="en-US" dirty="0"/>
+          </a:p>
+          <a:p>
             <a:endParaRPr lang="en-US" dirty="0" smtClean="0"/>
           </a:p>
           <a:p>
-            <a:pPr lvl="0"/>
+            <a:r>
+              <a:rPr lang="en-US" dirty="0" smtClean="0"/>
+              <a:t> </a:t>
+            </a:r>
+            <a:r>
+              <a:rPr lang="en-US" dirty="0"/>
+              <a:t>To get some of the factors that lead to success in the movie industry based on the data.</a:t>
+            </a:r>
+          </a:p>
+          <a:p>
+            <a:pPr marL="0" indent="0">
+              <a:buNone/>
+            </a:pPr>
+            <a:r>
+              <a:rPr lang="en-US" dirty="0" smtClean="0"/>
+              <a:t> </a:t>
+            </a:r>
+          </a:p>
+          <a:p>
             <a:endParaRPr lang="en-US" dirty="0" smtClean="0"/>
           </a:p>
           <a:p>
-            <a:pPr lvl="0"/>
             <a:r>
               <a:rPr lang="en-US" dirty="0" smtClean="0"/>
               <a:t>To </a:t>
             </a:r>
             <a:r>
               <a:rPr lang="en-US" dirty="0"/>
-              <a:t>get some of the factors that lead to success in the movie industry based on the data.</a:t>
-            </a:r>
-          </a:p>
-          <a:p>
-            <a:pPr lvl="0"/>
-            <a:endParaRPr lang="en-US" dirty="0" smtClean="0"/>
-          </a:p>
-          <a:p>
-            <a:pPr lvl="0"/>
-            <a:endParaRPr lang="en-US" dirty="0"/>
-          </a:p>
-          <a:p>
-            <a:pPr lvl="0"/>
-            <a:r>
-              <a:rPr lang="en-US" dirty="0" smtClean="0"/>
-              <a:t>To </a:t>
-            </a:r>
-            <a:r>
-              <a:rPr lang="en-US" dirty="0"/>
-              <a:t>look for the correlation of some of these factors that lead to success.</a:t>
-            </a:r>
-          </a:p>
-          <a:p>
+              <a:t>look for the strong relationships between some of these factors.</a:t>
+            </a:r>
+          </a:p>
+          <a:p>
+            <a:pPr marL="0" indent="0">
+              <a:buNone/>
+            </a:pPr>
+            <a:r>
+              <a:rPr lang="en-US" dirty="0"/>
+              <a:t/>
+            </a:r>
+            <a:br>
+              <a:rPr lang="en-US" dirty="0"/>
+            </a:br>
             <a:endParaRPr lang="en-US" dirty="0"/>
           </a:p>
         </p:txBody>
@@ -9547,7 +9640,6 @@
               <a:rPr lang="en-US" dirty="0"/>
               <a:t>found the top studios that released a lot of movies. </a:t>
             </a:r>
-            <a:endParaRPr lang="en-US" dirty="0"/>
           </a:p>
           <a:p>
             <a:r>
